--- a/ppt 16-9/0697.祷告良辰.pptx
+++ b/ppt 16-9/0697.祷告良辰.pptx
@@ -129,7 +129,7 @@
           <p:cNvPr id="2" name="标题 1">
             <a:extLst>
               <a:ext uri="{FF2B5EF4-FFF2-40B4-BE49-F238E27FC236}">
-                <a16:creationId xmlns:a16="http://schemas.microsoft.com/office/drawing/2014/main" id="{E1275F8D-13CD-5629-116E-B854A2CC5FC8}"/>
+                <a16:creationId xmlns:a16="http://schemas.microsoft.com/office/drawing/2014/main" id="{9838E847-5410-5749-55BB-A2ECE7474C36}"/>
               </a:ext>
             </a:extLst>
           </p:cNvPr>
@@ -166,7 +166,7 @@
           <p:cNvPr id="3" name="副标题 2">
             <a:extLst>
               <a:ext uri="{FF2B5EF4-FFF2-40B4-BE49-F238E27FC236}">
-                <a16:creationId xmlns:a16="http://schemas.microsoft.com/office/drawing/2014/main" id="{A2248599-DEAB-196A-340B-028286EA2FCD}"/>
+                <a16:creationId xmlns:a16="http://schemas.microsoft.com/office/drawing/2014/main" id="{BF5CA107-2464-080A-8FD0-B976C167B874}"/>
               </a:ext>
             </a:extLst>
           </p:cNvPr>
@@ -236,7 +236,7 @@
           <p:cNvPr id="4" name="日期占位符 3">
             <a:extLst>
               <a:ext uri="{FF2B5EF4-FFF2-40B4-BE49-F238E27FC236}">
-                <a16:creationId xmlns:a16="http://schemas.microsoft.com/office/drawing/2014/main" id="{B3E13029-1118-5061-090D-A3AA2D932875}"/>
+                <a16:creationId xmlns:a16="http://schemas.microsoft.com/office/drawing/2014/main" id="{F1C48B65-03B4-16CF-365A-CE6F3F3E8056}"/>
               </a:ext>
             </a:extLst>
           </p:cNvPr>
@@ -252,7 +252,7 @@
           <a:bodyPr/>
           <a:lstStyle/>
           <a:p>
-            <a:fld id="{B07BE4A6-E2B1-4B86-88EA-8D1FB673A50F}" type="datetimeFigureOut">
+            <a:fld id="{BC920A0E-5F63-4409-AD4A-EB623706325B}" type="datetimeFigureOut">
               <a:rPr lang="zh-CN" altLang="en-US" smtClean="0"/>
               <a:t>2024/3/10</a:t>
             </a:fld>
@@ -265,7 +265,7 @@
           <p:cNvPr id="5" name="页脚占位符 4">
             <a:extLst>
               <a:ext uri="{FF2B5EF4-FFF2-40B4-BE49-F238E27FC236}">
-                <a16:creationId xmlns:a16="http://schemas.microsoft.com/office/drawing/2014/main" id="{04816E84-3394-50B3-5B3D-6743379CE9C5}"/>
+                <a16:creationId xmlns:a16="http://schemas.microsoft.com/office/drawing/2014/main" id="{4300DE8B-BC8D-231D-95D7-E48518302065}"/>
               </a:ext>
             </a:extLst>
           </p:cNvPr>
@@ -290,7 +290,7 @@
           <p:cNvPr id="6" name="灯片编号占位符 5">
             <a:extLst>
               <a:ext uri="{FF2B5EF4-FFF2-40B4-BE49-F238E27FC236}">
-                <a16:creationId xmlns:a16="http://schemas.microsoft.com/office/drawing/2014/main" id="{607CA4EB-A64A-02CD-E13B-F76A7F164DE4}"/>
+                <a16:creationId xmlns:a16="http://schemas.microsoft.com/office/drawing/2014/main" id="{9F773A59-D6A4-E3FA-54CE-4E4822775FB9}"/>
               </a:ext>
             </a:extLst>
           </p:cNvPr>
@@ -306,7 +306,7 @@
           <a:bodyPr/>
           <a:lstStyle/>
           <a:p>
-            <a:fld id="{2B16EE7B-2BC8-4C8E-8A6C-83115DE91C0B}" type="slidenum">
+            <a:fld id="{A11595C9-9DAF-4F70-A955-D5F8DAE38B1A}" type="slidenum">
               <a:rPr lang="zh-CN" altLang="en-US" smtClean="0"/>
               <a:t>‹#›</a:t>
             </a:fld>
@@ -317,7 +317,7 @@
     </p:spTree>
     <p:extLst>
       <p:ext uri="{BB962C8B-B14F-4D97-AF65-F5344CB8AC3E}">
-        <p14:creationId xmlns:p14="http://schemas.microsoft.com/office/powerpoint/2010/main" val="3399775020"/>
+        <p14:creationId xmlns:p14="http://schemas.microsoft.com/office/powerpoint/2010/main" val="348234160"/>
       </p:ext>
     </p:extLst>
   </p:cSld>
@@ -349,7 +349,7 @@
           <p:cNvPr id="2" name="标题 1">
             <a:extLst>
               <a:ext uri="{FF2B5EF4-FFF2-40B4-BE49-F238E27FC236}">
-                <a16:creationId xmlns:a16="http://schemas.microsoft.com/office/drawing/2014/main" id="{2E46D5FB-6F76-8582-C797-11E3AA842E9D}"/>
+                <a16:creationId xmlns:a16="http://schemas.microsoft.com/office/drawing/2014/main" id="{4D28AB12-6914-C762-6EC4-DE9BCC31ADE3}"/>
               </a:ext>
             </a:extLst>
           </p:cNvPr>
@@ -377,7 +377,7 @@
           <p:cNvPr id="3" name="竖排文字占位符 2">
             <a:extLst>
               <a:ext uri="{FF2B5EF4-FFF2-40B4-BE49-F238E27FC236}">
-                <a16:creationId xmlns:a16="http://schemas.microsoft.com/office/drawing/2014/main" id="{3B3174BE-982F-5C83-8852-78BEBCCAAE5D}"/>
+                <a16:creationId xmlns:a16="http://schemas.microsoft.com/office/drawing/2014/main" id="{4BB20878-F764-C799-2220-79DBF37933E2}"/>
               </a:ext>
             </a:extLst>
           </p:cNvPr>
@@ -434,7 +434,7 @@
           <p:cNvPr id="4" name="日期占位符 3">
             <a:extLst>
               <a:ext uri="{FF2B5EF4-FFF2-40B4-BE49-F238E27FC236}">
-                <a16:creationId xmlns:a16="http://schemas.microsoft.com/office/drawing/2014/main" id="{3AA78076-5C1F-64F1-4EE7-9042F869C7F5}"/>
+                <a16:creationId xmlns:a16="http://schemas.microsoft.com/office/drawing/2014/main" id="{6F8E016B-B1A3-BA53-E352-246574F2E28D}"/>
               </a:ext>
             </a:extLst>
           </p:cNvPr>
@@ -450,7 +450,7 @@
           <a:bodyPr/>
           <a:lstStyle/>
           <a:p>
-            <a:fld id="{B07BE4A6-E2B1-4B86-88EA-8D1FB673A50F}" type="datetimeFigureOut">
+            <a:fld id="{BC920A0E-5F63-4409-AD4A-EB623706325B}" type="datetimeFigureOut">
               <a:rPr lang="zh-CN" altLang="en-US" smtClean="0"/>
               <a:t>2024/3/10</a:t>
             </a:fld>
@@ -463,7 +463,7 @@
           <p:cNvPr id="5" name="页脚占位符 4">
             <a:extLst>
               <a:ext uri="{FF2B5EF4-FFF2-40B4-BE49-F238E27FC236}">
-                <a16:creationId xmlns:a16="http://schemas.microsoft.com/office/drawing/2014/main" id="{26156115-6052-9ABD-AD1F-9611D841D275}"/>
+                <a16:creationId xmlns:a16="http://schemas.microsoft.com/office/drawing/2014/main" id="{EB765AE8-D279-6BFE-6C97-BF63F46AF057}"/>
               </a:ext>
             </a:extLst>
           </p:cNvPr>
@@ -488,7 +488,7 @@
           <p:cNvPr id="6" name="灯片编号占位符 5">
             <a:extLst>
               <a:ext uri="{FF2B5EF4-FFF2-40B4-BE49-F238E27FC236}">
-                <a16:creationId xmlns:a16="http://schemas.microsoft.com/office/drawing/2014/main" id="{A7322943-4DFC-BF86-AF8A-6F911368DCE6}"/>
+                <a16:creationId xmlns:a16="http://schemas.microsoft.com/office/drawing/2014/main" id="{C798BE2B-663F-F0F2-48B0-187A1DB4A279}"/>
               </a:ext>
             </a:extLst>
           </p:cNvPr>
@@ -504,7 +504,7 @@
           <a:bodyPr/>
           <a:lstStyle/>
           <a:p>
-            <a:fld id="{2B16EE7B-2BC8-4C8E-8A6C-83115DE91C0B}" type="slidenum">
+            <a:fld id="{A11595C9-9DAF-4F70-A955-D5F8DAE38B1A}" type="slidenum">
               <a:rPr lang="zh-CN" altLang="en-US" smtClean="0"/>
               <a:t>‹#›</a:t>
             </a:fld>
@@ -515,7 +515,7 @@
     </p:spTree>
     <p:extLst>
       <p:ext uri="{BB962C8B-B14F-4D97-AF65-F5344CB8AC3E}">
-        <p14:creationId xmlns:p14="http://schemas.microsoft.com/office/powerpoint/2010/main" val="1742303199"/>
+        <p14:creationId xmlns:p14="http://schemas.microsoft.com/office/powerpoint/2010/main" val="382895974"/>
       </p:ext>
     </p:extLst>
   </p:cSld>
@@ -547,7 +547,7 @@
           <p:cNvPr id="2" name="竖排标题 1">
             <a:extLst>
               <a:ext uri="{FF2B5EF4-FFF2-40B4-BE49-F238E27FC236}">
-                <a16:creationId xmlns:a16="http://schemas.microsoft.com/office/drawing/2014/main" id="{D2262F0D-693B-FBF3-2C88-AD50584F9E9C}"/>
+                <a16:creationId xmlns:a16="http://schemas.microsoft.com/office/drawing/2014/main" id="{02F19CDE-12DC-9096-D415-2CA5681DB956}"/>
               </a:ext>
             </a:extLst>
           </p:cNvPr>
@@ -580,7 +580,7 @@
           <p:cNvPr id="3" name="竖排文字占位符 2">
             <a:extLst>
               <a:ext uri="{FF2B5EF4-FFF2-40B4-BE49-F238E27FC236}">
-                <a16:creationId xmlns:a16="http://schemas.microsoft.com/office/drawing/2014/main" id="{BAC0624A-3236-8672-8BCE-350497C86AD8}"/>
+                <a16:creationId xmlns:a16="http://schemas.microsoft.com/office/drawing/2014/main" id="{5E8EB62C-4123-19A1-411E-8F28278112A6}"/>
               </a:ext>
             </a:extLst>
           </p:cNvPr>
@@ -642,7 +642,7 @@
           <p:cNvPr id="4" name="日期占位符 3">
             <a:extLst>
               <a:ext uri="{FF2B5EF4-FFF2-40B4-BE49-F238E27FC236}">
-                <a16:creationId xmlns:a16="http://schemas.microsoft.com/office/drawing/2014/main" id="{F06E0BAA-1320-D1A1-7185-FB2DDBC701CE}"/>
+                <a16:creationId xmlns:a16="http://schemas.microsoft.com/office/drawing/2014/main" id="{33200495-5D45-C38B-5AAF-FC71CC4708C7}"/>
               </a:ext>
             </a:extLst>
           </p:cNvPr>
@@ -658,7 +658,7 @@
           <a:bodyPr/>
           <a:lstStyle/>
           <a:p>
-            <a:fld id="{B07BE4A6-E2B1-4B86-88EA-8D1FB673A50F}" type="datetimeFigureOut">
+            <a:fld id="{BC920A0E-5F63-4409-AD4A-EB623706325B}" type="datetimeFigureOut">
               <a:rPr lang="zh-CN" altLang="en-US" smtClean="0"/>
               <a:t>2024/3/10</a:t>
             </a:fld>
@@ -671,7 +671,7 @@
           <p:cNvPr id="5" name="页脚占位符 4">
             <a:extLst>
               <a:ext uri="{FF2B5EF4-FFF2-40B4-BE49-F238E27FC236}">
-                <a16:creationId xmlns:a16="http://schemas.microsoft.com/office/drawing/2014/main" id="{9E0E9417-28BC-AF89-DDA6-8785006C84C1}"/>
+                <a16:creationId xmlns:a16="http://schemas.microsoft.com/office/drawing/2014/main" id="{ED5D5BED-E142-D8EB-336C-277CA18DFB9A}"/>
               </a:ext>
             </a:extLst>
           </p:cNvPr>
@@ -696,7 +696,7 @@
           <p:cNvPr id="6" name="灯片编号占位符 5">
             <a:extLst>
               <a:ext uri="{FF2B5EF4-FFF2-40B4-BE49-F238E27FC236}">
-                <a16:creationId xmlns:a16="http://schemas.microsoft.com/office/drawing/2014/main" id="{BCACF1FC-C583-0934-7A8C-29599FE16DE8}"/>
+                <a16:creationId xmlns:a16="http://schemas.microsoft.com/office/drawing/2014/main" id="{9030116D-768B-23BB-25F2-25A5C74724BD}"/>
               </a:ext>
             </a:extLst>
           </p:cNvPr>
@@ -712,7 +712,7 @@
           <a:bodyPr/>
           <a:lstStyle/>
           <a:p>
-            <a:fld id="{2B16EE7B-2BC8-4C8E-8A6C-83115DE91C0B}" type="slidenum">
+            <a:fld id="{A11595C9-9DAF-4F70-A955-D5F8DAE38B1A}" type="slidenum">
               <a:rPr lang="zh-CN" altLang="en-US" smtClean="0"/>
               <a:t>‹#›</a:t>
             </a:fld>
@@ -723,7 +723,7 @@
     </p:spTree>
     <p:extLst>
       <p:ext uri="{BB962C8B-B14F-4D97-AF65-F5344CB8AC3E}">
-        <p14:creationId xmlns:p14="http://schemas.microsoft.com/office/powerpoint/2010/main" val="564934766"/>
+        <p14:creationId xmlns:p14="http://schemas.microsoft.com/office/powerpoint/2010/main" val="672770562"/>
       </p:ext>
     </p:extLst>
   </p:cSld>
@@ -755,7 +755,7 @@
           <p:cNvPr id="2" name="标题 1">
             <a:extLst>
               <a:ext uri="{FF2B5EF4-FFF2-40B4-BE49-F238E27FC236}">
-                <a16:creationId xmlns:a16="http://schemas.microsoft.com/office/drawing/2014/main" id="{E5ACC2B0-B854-9C18-D3CC-4F60097771AC}"/>
+                <a16:creationId xmlns:a16="http://schemas.microsoft.com/office/drawing/2014/main" id="{B6CACF75-E91A-6A3C-61D4-66EDBA0368F1}"/>
               </a:ext>
             </a:extLst>
           </p:cNvPr>
@@ -783,7 +783,7 @@
           <p:cNvPr id="3" name="内容占位符 2">
             <a:extLst>
               <a:ext uri="{FF2B5EF4-FFF2-40B4-BE49-F238E27FC236}">
-                <a16:creationId xmlns:a16="http://schemas.microsoft.com/office/drawing/2014/main" id="{039BC1FA-4522-5799-1F43-BD125E2D1C11}"/>
+                <a16:creationId xmlns:a16="http://schemas.microsoft.com/office/drawing/2014/main" id="{01FC203E-D8AC-A18D-E5FA-9DF1067F2962}"/>
               </a:ext>
             </a:extLst>
           </p:cNvPr>
@@ -840,7 +840,7 @@
           <p:cNvPr id="4" name="日期占位符 3">
             <a:extLst>
               <a:ext uri="{FF2B5EF4-FFF2-40B4-BE49-F238E27FC236}">
-                <a16:creationId xmlns:a16="http://schemas.microsoft.com/office/drawing/2014/main" id="{1A2C2FD0-272D-AEFF-28DF-E7EF4CE3FDA2}"/>
+                <a16:creationId xmlns:a16="http://schemas.microsoft.com/office/drawing/2014/main" id="{282D7149-3540-644C-18D8-2EB4DA427613}"/>
               </a:ext>
             </a:extLst>
           </p:cNvPr>
@@ -856,7 +856,7 @@
           <a:bodyPr/>
           <a:lstStyle/>
           <a:p>
-            <a:fld id="{B07BE4A6-E2B1-4B86-88EA-8D1FB673A50F}" type="datetimeFigureOut">
+            <a:fld id="{BC920A0E-5F63-4409-AD4A-EB623706325B}" type="datetimeFigureOut">
               <a:rPr lang="zh-CN" altLang="en-US" smtClean="0"/>
               <a:t>2024/3/10</a:t>
             </a:fld>
@@ -869,7 +869,7 @@
           <p:cNvPr id="5" name="页脚占位符 4">
             <a:extLst>
               <a:ext uri="{FF2B5EF4-FFF2-40B4-BE49-F238E27FC236}">
-                <a16:creationId xmlns:a16="http://schemas.microsoft.com/office/drawing/2014/main" id="{87AD2F32-3784-126F-BB2E-C9A329602EA2}"/>
+                <a16:creationId xmlns:a16="http://schemas.microsoft.com/office/drawing/2014/main" id="{C130F6BA-DA83-6B7F-D135-93D444E2873F}"/>
               </a:ext>
             </a:extLst>
           </p:cNvPr>
@@ -894,7 +894,7 @@
           <p:cNvPr id="6" name="灯片编号占位符 5">
             <a:extLst>
               <a:ext uri="{FF2B5EF4-FFF2-40B4-BE49-F238E27FC236}">
-                <a16:creationId xmlns:a16="http://schemas.microsoft.com/office/drawing/2014/main" id="{FE2812D6-2302-B8D4-3568-E99A1F03E446}"/>
+                <a16:creationId xmlns:a16="http://schemas.microsoft.com/office/drawing/2014/main" id="{07A89C43-0F91-BC5F-E12A-8A18C5822BAA}"/>
               </a:ext>
             </a:extLst>
           </p:cNvPr>
@@ -910,7 +910,7 @@
           <a:bodyPr/>
           <a:lstStyle/>
           <a:p>
-            <a:fld id="{2B16EE7B-2BC8-4C8E-8A6C-83115DE91C0B}" type="slidenum">
+            <a:fld id="{A11595C9-9DAF-4F70-A955-D5F8DAE38B1A}" type="slidenum">
               <a:rPr lang="zh-CN" altLang="en-US" smtClean="0"/>
               <a:t>‹#›</a:t>
             </a:fld>
@@ -921,7 +921,7 @@
     </p:spTree>
     <p:extLst>
       <p:ext uri="{BB962C8B-B14F-4D97-AF65-F5344CB8AC3E}">
-        <p14:creationId xmlns:p14="http://schemas.microsoft.com/office/powerpoint/2010/main" val="2025050099"/>
+        <p14:creationId xmlns:p14="http://schemas.microsoft.com/office/powerpoint/2010/main" val="3184819838"/>
       </p:ext>
     </p:extLst>
   </p:cSld>
@@ -953,7 +953,7 @@
           <p:cNvPr id="2" name="标题 1">
             <a:extLst>
               <a:ext uri="{FF2B5EF4-FFF2-40B4-BE49-F238E27FC236}">
-                <a16:creationId xmlns:a16="http://schemas.microsoft.com/office/drawing/2014/main" id="{AD9BABEF-6C1B-D7BF-A62B-C03BF602C471}"/>
+                <a16:creationId xmlns:a16="http://schemas.microsoft.com/office/drawing/2014/main" id="{DB379994-08DD-42D0-DA20-85C74B1C7F40}"/>
               </a:ext>
             </a:extLst>
           </p:cNvPr>
@@ -990,7 +990,7 @@
           <p:cNvPr id="3" name="文本占位符 2">
             <a:extLst>
               <a:ext uri="{FF2B5EF4-FFF2-40B4-BE49-F238E27FC236}">
-                <a16:creationId xmlns:a16="http://schemas.microsoft.com/office/drawing/2014/main" id="{A2E4F866-0B83-3BD0-B770-8C4BD6AFE829}"/>
+                <a16:creationId xmlns:a16="http://schemas.microsoft.com/office/drawing/2014/main" id="{2226A1DF-1357-440E-D304-4E454DAE3188}"/>
               </a:ext>
             </a:extLst>
           </p:cNvPr>
@@ -1115,7 +1115,7 @@
           <p:cNvPr id="4" name="日期占位符 3">
             <a:extLst>
               <a:ext uri="{FF2B5EF4-FFF2-40B4-BE49-F238E27FC236}">
-                <a16:creationId xmlns:a16="http://schemas.microsoft.com/office/drawing/2014/main" id="{172A59BE-A724-3FA5-F22B-FFA2794C72CE}"/>
+                <a16:creationId xmlns:a16="http://schemas.microsoft.com/office/drawing/2014/main" id="{CDDC6B2F-D596-176F-8AE0-C90DD2368E80}"/>
               </a:ext>
             </a:extLst>
           </p:cNvPr>
@@ -1131,7 +1131,7 @@
           <a:bodyPr/>
           <a:lstStyle/>
           <a:p>
-            <a:fld id="{B07BE4A6-E2B1-4B86-88EA-8D1FB673A50F}" type="datetimeFigureOut">
+            <a:fld id="{BC920A0E-5F63-4409-AD4A-EB623706325B}" type="datetimeFigureOut">
               <a:rPr lang="zh-CN" altLang="en-US" smtClean="0"/>
               <a:t>2024/3/10</a:t>
             </a:fld>
@@ -1144,7 +1144,7 @@
           <p:cNvPr id="5" name="页脚占位符 4">
             <a:extLst>
               <a:ext uri="{FF2B5EF4-FFF2-40B4-BE49-F238E27FC236}">
-                <a16:creationId xmlns:a16="http://schemas.microsoft.com/office/drawing/2014/main" id="{E510E1F4-BA35-51F9-618F-537C3FD2D120}"/>
+                <a16:creationId xmlns:a16="http://schemas.microsoft.com/office/drawing/2014/main" id="{6B1A9290-A905-580D-00FD-302663356849}"/>
               </a:ext>
             </a:extLst>
           </p:cNvPr>
@@ -1169,7 +1169,7 @@
           <p:cNvPr id="6" name="灯片编号占位符 5">
             <a:extLst>
               <a:ext uri="{FF2B5EF4-FFF2-40B4-BE49-F238E27FC236}">
-                <a16:creationId xmlns:a16="http://schemas.microsoft.com/office/drawing/2014/main" id="{7BB7716D-5EBB-2B6E-6804-47A30878337C}"/>
+                <a16:creationId xmlns:a16="http://schemas.microsoft.com/office/drawing/2014/main" id="{C370CA70-FB5F-D946-B193-795C1B1C902E}"/>
               </a:ext>
             </a:extLst>
           </p:cNvPr>
@@ -1185,7 +1185,7 @@
           <a:bodyPr/>
           <a:lstStyle/>
           <a:p>
-            <a:fld id="{2B16EE7B-2BC8-4C8E-8A6C-83115DE91C0B}" type="slidenum">
+            <a:fld id="{A11595C9-9DAF-4F70-A955-D5F8DAE38B1A}" type="slidenum">
               <a:rPr lang="zh-CN" altLang="en-US" smtClean="0"/>
               <a:t>‹#›</a:t>
             </a:fld>
@@ -1196,7 +1196,7 @@
     </p:spTree>
     <p:extLst>
       <p:ext uri="{BB962C8B-B14F-4D97-AF65-F5344CB8AC3E}">
-        <p14:creationId xmlns:p14="http://schemas.microsoft.com/office/powerpoint/2010/main" val="3525022694"/>
+        <p14:creationId xmlns:p14="http://schemas.microsoft.com/office/powerpoint/2010/main" val="2102491931"/>
       </p:ext>
     </p:extLst>
   </p:cSld>
@@ -1228,7 +1228,7 @@
           <p:cNvPr id="2" name="标题 1">
             <a:extLst>
               <a:ext uri="{FF2B5EF4-FFF2-40B4-BE49-F238E27FC236}">
-                <a16:creationId xmlns:a16="http://schemas.microsoft.com/office/drawing/2014/main" id="{5F277767-3C46-4900-A24D-4786AB8E33DC}"/>
+                <a16:creationId xmlns:a16="http://schemas.microsoft.com/office/drawing/2014/main" id="{62618EC0-0B16-E8CE-0DAB-57049DFEEC60}"/>
               </a:ext>
             </a:extLst>
           </p:cNvPr>
@@ -1256,7 +1256,7 @@
           <p:cNvPr id="3" name="内容占位符 2">
             <a:extLst>
               <a:ext uri="{FF2B5EF4-FFF2-40B4-BE49-F238E27FC236}">
-                <a16:creationId xmlns:a16="http://schemas.microsoft.com/office/drawing/2014/main" id="{E99718C7-5B2A-89B8-6743-84968AE2882C}"/>
+                <a16:creationId xmlns:a16="http://schemas.microsoft.com/office/drawing/2014/main" id="{7180508C-1ADB-8CB5-1591-79B0B69DB04C}"/>
               </a:ext>
             </a:extLst>
           </p:cNvPr>
@@ -1318,7 +1318,7 @@
           <p:cNvPr id="4" name="内容占位符 3">
             <a:extLst>
               <a:ext uri="{FF2B5EF4-FFF2-40B4-BE49-F238E27FC236}">
-                <a16:creationId xmlns:a16="http://schemas.microsoft.com/office/drawing/2014/main" id="{44C08948-4BA3-50B4-47B5-2B7BF9C78141}"/>
+                <a16:creationId xmlns:a16="http://schemas.microsoft.com/office/drawing/2014/main" id="{2AADC543-1046-28CE-630F-EB85A6F47B67}"/>
               </a:ext>
             </a:extLst>
           </p:cNvPr>
@@ -1380,7 +1380,7 @@
           <p:cNvPr id="5" name="日期占位符 4">
             <a:extLst>
               <a:ext uri="{FF2B5EF4-FFF2-40B4-BE49-F238E27FC236}">
-                <a16:creationId xmlns:a16="http://schemas.microsoft.com/office/drawing/2014/main" id="{EBEF8607-329A-E58E-A757-A0C7B5F725FA}"/>
+                <a16:creationId xmlns:a16="http://schemas.microsoft.com/office/drawing/2014/main" id="{AB239267-14E6-D26B-549A-3149E036421C}"/>
               </a:ext>
             </a:extLst>
           </p:cNvPr>
@@ -1396,7 +1396,7 @@
           <a:bodyPr/>
           <a:lstStyle/>
           <a:p>
-            <a:fld id="{B07BE4A6-E2B1-4B86-88EA-8D1FB673A50F}" type="datetimeFigureOut">
+            <a:fld id="{BC920A0E-5F63-4409-AD4A-EB623706325B}" type="datetimeFigureOut">
               <a:rPr lang="zh-CN" altLang="en-US" smtClean="0"/>
               <a:t>2024/3/10</a:t>
             </a:fld>
@@ -1409,7 +1409,7 @@
           <p:cNvPr id="6" name="页脚占位符 5">
             <a:extLst>
               <a:ext uri="{FF2B5EF4-FFF2-40B4-BE49-F238E27FC236}">
-                <a16:creationId xmlns:a16="http://schemas.microsoft.com/office/drawing/2014/main" id="{A3B2B4C6-235D-C90F-5CFF-2FEDFF59E8DF}"/>
+                <a16:creationId xmlns:a16="http://schemas.microsoft.com/office/drawing/2014/main" id="{59D2D0CB-B087-3481-5F71-922844F03240}"/>
               </a:ext>
             </a:extLst>
           </p:cNvPr>
@@ -1434,7 +1434,7 @@
           <p:cNvPr id="7" name="灯片编号占位符 6">
             <a:extLst>
               <a:ext uri="{FF2B5EF4-FFF2-40B4-BE49-F238E27FC236}">
-                <a16:creationId xmlns:a16="http://schemas.microsoft.com/office/drawing/2014/main" id="{DD2EDAE9-3576-D867-9958-EE355BF96B8F}"/>
+                <a16:creationId xmlns:a16="http://schemas.microsoft.com/office/drawing/2014/main" id="{63C289EE-D65F-3A47-FAAE-EB55F770861B}"/>
               </a:ext>
             </a:extLst>
           </p:cNvPr>
@@ -1450,7 +1450,7 @@
           <a:bodyPr/>
           <a:lstStyle/>
           <a:p>
-            <a:fld id="{2B16EE7B-2BC8-4C8E-8A6C-83115DE91C0B}" type="slidenum">
+            <a:fld id="{A11595C9-9DAF-4F70-A955-D5F8DAE38B1A}" type="slidenum">
               <a:rPr lang="zh-CN" altLang="en-US" smtClean="0"/>
               <a:t>‹#›</a:t>
             </a:fld>
@@ -1461,7 +1461,7 @@
     </p:spTree>
     <p:extLst>
       <p:ext uri="{BB962C8B-B14F-4D97-AF65-F5344CB8AC3E}">
-        <p14:creationId xmlns:p14="http://schemas.microsoft.com/office/powerpoint/2010/main" val="938493467"/>
+        <p14:creationId xmlns:p14="http://schemas.microsoft.com/office/powerpoint/2010/main" val="3854346750"/>
       </p:ext>
     </p:extLst>
   </p:cSld>
@@ -1493,7 +1493,7 @@
           <p:cNvPr id="2" name="标题 1">
             <a:extLst>
               <a:ext uri="{FF2B5EF4-FFF2-40B4-BE49-F238E27FC236}">
-                <a16:creationId xmlns:a16="http://schemas.microsoft.com/office/drawing/2014/main" id="{2A145CA0-7A95-A43A-A1D2-860C308DBDEA}"/>
+                <a16:creationId xmlns:a16="http://schemas.microsoft.com/office/drawing/2014/main" id="{B4F805DC-906C-E6F5-B156-63C00588C511}"/>
               </a:ext>
             </a:extLst>
           </p:cNvPr>
@@ -1526,7 +1526,7 @@
           <p:cNvPr id="3" name="文本占位符 2">
             <a:extLst>
               <a:ext uri="{FF2B5EF4-FFF2-40B4-BE49-F238E27FC236}">
-                <a16:creationId xmlns:a16="http://schemas.microsoft.com/office/drawing/2014/main" id="{20D82B6B-5AE2-E813-1F48-A56C9CE43D74}"/>
+                <a16:creationId xmlns:a16="http://schemas.microsoft.com/office/drawing/2014/main" id="{73A7292C-5FE5-CB06-19B5-6E6B13C08CDE}"/>
               </a:ext>
             </a:extLst>
           </p:cNvPr>
@@ -1597,7 +1597,7 @@
           <p:cNvPr id="4" name="内容占位符 3">
             <a:extLst>
               <a:ext uri="{FF2B5EF4-FFF2-40B4-BE49-F238E27FC236}">
-                <a16:creationId xmlns:a16="http://schemas.microsoft.com/office/drawing/2014/main" id="{034EFDD4-C96D-EA86-FBCD-300D97EE6E7B}"/>
+                <a16:creationId xmlns:a16="http://schemas.microsoft.com/office/drawing/2014/main" id="{85E9D3D9-0348-9F4C-4D34-7834F5836451}"/>
               </a:ext>
             </a:extLst>
           </p:cNvPr>
@@ -1659,7 +1659,7 @@
           <p:cNvPr id="5" name="文本占位符 4">
             <a:extLst>
               <a:ext uri="{FF2B5EF4-FFF2-40B4-BE49-F238E27FC236}">
-                <a16:creationId xmlns:a16="http://schemas.microsoft.com/office/drawing/2014/main" id="{4F09A2D9-41A8-BCE1-8BE5-B674098B9C41}"/>
+                <a16:creationId xmlns:a16="http://schemas.microsoft.com/office/drawing/2014/main" id="{A13EA384-F1E4-FE36-CC47-FF2D11FB6CDA}"/>
               </a:ext>
             </a:extLst>
           </p:cNvPr>
@@ -1730,7 +1730,7 @@
           <p:cNvPr id="6" name="内容占位符 5">
             <a:extLst>
               <a:ext uri="{FF2B5EF4-FFF2-40B4-BE49-F238E27FC236}">
-                <a16:creationId xmlns:a16="http://schemas.microsoft.com/office/drawing/2014/main" id="{E18B6035-5DD9-C361-12EB-E65C4E5D6C26}"/>
+                <a16:creationId xmlns:a16="http://schemas.microsoft.com/office/drawing/2014/main" id="{F4A2B9AC-DE8F-F424-25DC-06ADA4B71705}"/>
               </a:ext>
             </a:extLst>
           </p:cNvPr>
@@ -1792,7 +1792,7 @@
           <p:cNvPr id="7" name="日期占位符 6">
             <a:extLst>
               <a:ext uri="{FF2B5EF4-FFF2-40B4-BE49-F238E27FC236}">
-                <a16:creationId xmlns:a16="http://schemas.microsoft.com/office/drawing/2014/main" id="{5AA73BD5-5B3F-4D06-A440-50791F18EFFA}"/>
+                <a16:creationId xmlns:a16="http://schemas.microsoft.com/office/drawing/2014/main" id="{24232E29-CCD2-BC2F-8693-5EA5B20746C2}"/>
               </a:ext>
             </a:extLst>
           </p:cNvPr>
@@ -1808,7 +1808,7 @@
           <a:bodyPr/>
           <a:lstStyle/>
           <a:p>
-            <a:fld id="{B07BE4A6-E2B1-4B86-88EA-8D1FB673A50F}" type="datetimeFigureOut">
+            <a:fld id="{BC920A0E-5F63-4409-AD4A-EB623706325B}" type="datetimeFigureOut">
               <a:rPr lang="zh-CN" altLang="en-US" smtClean="0"/>
               <a:t>2024/3/10</a:t>
             </a:fld>
@@ -1821,7 +1821,7 @@
           <p:cNvPr id="8" name="页脚占位符 7">
             <a:extLst>
               <a:ext uri="{FF2B5EF4-FFF2-40B4-BE49-F238E27FC236}">
-                <a16:creationId xmlns:a16="http://schemas.microsoft.com/office/drawing/2014/main" id="{619BC84D-17A3-6955-0E9C-E01D7DDD888B}"/>
+                <a16:creationId xmlns:a16="http://schemas.microsoft.com/office/drawing/2014/main" id="{9F409FE2-A845-D559-FBAD-3C8B12696FB9}"/>
               </a:ext>
             </a:extLst>
           </p:cNvPr>
@@ -1846,7 +1846,7 @@
           <p:cNvPr id="9" name="灯片编号占位符 8">
             <a:extLst>
               <a:ext uri="{FF2B5EF4-FFF2-40B4-BE49-F238E27FC236}">
-                <a16:creationId xmlns:a16="http://schemas.microsoft.com/office/drawing/2014/main" id="{53308E3F-B5A8-DD92-C659-3F42A57E890F}"/>
+                <a16:creationId xmlns:a16="http://schemas.microsoft.com/office/drawing/2014/main" id="{C901D6B6-DB04-5135-5DF1-7074CD306CAA}"/>
               </a:ext>
             </a:extLst>
           </p:cNvPr>
@@ -1862,7 +1862,7 @@
           <a:bodyPr/>
           <a:lstStyle/>
           <a:p>
-            <a:fld id="{2B16EE7B-2BC8-4C8E-8A6C-83115DE91C0B}" type="slidenum">
+            <a:fld id="{A11595C9-9DAF-4F70-A955-D5F8DAE38B1A}" type="slidenum">
               <a:rPr lang="zh-CN" altLang="en-US" smtClean="0"/>
               <a:t>‹#›</a:t>
             </a:fld>
@@ -1873,7 +1873,7 @@
     </p:spTree>
     <p:extLst>
       <p:ext uri="{BB962C8B-B14F-4D97-AF65-F5344CB8AC3E}">
-        <p14:creationId xmlns:p14="http://schemas.microsoft.com/office/powerpoint/2010/main" val="1400833108"/>
+        <p14:creationId xmlns:p14="http://schemas.microsoft.com/office/powerpoint/2010/main" val="1181925926"/>
       </p:ext>
     </p:extLst>
   </p:cSld>
@@ -1905,7 +1905,7 @@
           <p:cNvPr id="2" name="标题 1">
             <a:extLst>
               <a:ext uri="{FF2B5EF4-FFF2-40B4-BE49-F238E27FC236}">
-                <a16:creationId xmlns:a16="http://schemas.microsoft.com/office/drawing/2014/main" id="{30D80C11-63A8-636B-575E-549152BE3114}"/>
+                <a16:creationId xmlns:a16="http://schemas.microsoft.com/office/drawing/2014/main" id="{3CBEB0C7-55D7-3B72-888A-BB8BF7B947C6}"/>
               </a:ext>
             </a:extLst>
           </p:cNvPr>
@@ -1933,7 +1933,7 @@
           <p:cNvPr id="3" name="日期占位符 2">
             <a:extLst>
               <a:ext uri="{FF2B5EF4-FFF2-40B4-BE49-F238E27FC236}">
-                <a16:creationId xmlns:a16="http://schemas.microsoft.com/office/drawing/2014/main" id="{E97991FA-F3F7-C227-9F09-5E494648C96A}"/>
+                <a16:creationId xmlns:a16="http://schemas.microsoft.com/office/drawing/2014/main" id="{8D52B534-37F8-5766-2E95-93F5A140669A}"/>
               </a:ext>
             </a:extLst>
           </p:cNvPr>
@@ -1949,7 +1949,7 @@
           <a:bodyPr/>
           <a:lstStyle/>
           <a:p>
-            <a:fld id="{B07BE4A6-E2B1-4B86-88EA-8D1FB673A50F}" type="datetimeFigureOut">
+            <a:fld id="{BC920A0E-5F63-4409-AD4A-EB623706325B}" type="datetimeFigureOut">
               <a:rPr lang="zh-CN" altLang="en-US" smtClean="0"/>
               <a:t>2024/3/10</a:t>
             </a:fld>
@@ -1962,7 +1962,7 @@
           <p:cNvPr id="4" name="页脚占位符 3">
             <a:extLst>
               <a:ext uri="{FF2B5EF4-FFF2-40B4-BE49-F238E27FC236}">
-                <a16:creationId xmlns:a16="http://schemas.microsoft.com/office/drawing/2014/main" id="{C602DDE0-6E2E-3A0C-EB7B-2A27FE61DA9D}"/>
+                <a16:creationId xmlns:a16="http://schemas.microsoft.com/office/drawing/2014/main" id="{0D2F6E20-8E28-F73C-9A25-A1BA4406898A}"/>
               </a:ext>
             </a:extLst>
           </p:cNvPr>
@@ -1987,7 +1987,7 @@
           <p:cNvPr id="5" name="灯片编号占位符 4">
             <a:extLst>
               <a:ext uri="{FF2B5EF4-FFF2-40B4-BE49-F238E27FC236}">
-                <a16:creationId xmlns:a16="http://schemas.microsoft.com/office/drawing/2014/main" id="{129F1900-8AE6-E452-7288-29BE145E6EB3}"/>
+                <a16:creationId xmlns:a16="http://schemas.microsoft.com/office/drawing/2014/main" id="{2CD0C7CA-AD9F-A880-E699-0AEEE306102A}"/>
               </a:ext>
             </a:extLst>
           </p:cNvPr>
@@ -2003,7 +2003,7 @@
           <a:bodyPr/>
           <a:lstStyle/>
           <a:p>
-            <a:fld id="{2B16EE7B-2BC8-4C8E-8A6C-83115DE91C0B}" type="slidenum">
+            <a:fld id="{A11595C9-9DAF-4F70-A955-D5F8DAE38B1A}" type="slidenum">
               <a:rPr lang="zh-CN" altLang="en-US" smtClean="0"/>
               <a:t>‹#›</a:t>
             </a:fld>
@@ -2014,7 +2014,7 @@
     </p:spTree>
     <p:extLst>
       <p:ext uri="{BB962C8B-B14F-4D97-AF65-F5344CB8AC3E}">
-        <p14:creationId xmlns:p14="http://schemas.microsoft.com/office/powerpoint/2010/main" val="4289900921"/>
+        <p14:creationId xmlns:p14="http://schemas.microsoft.com/office/powerpoint/2010/main" val="1881819726"/>
       </p:ext>
     </p:extLst>
   </p:cSld>
@@ -2046,7 +2046,7 @@
           <p:cNvPr id="2" name="日期占位符 1">
             <a:extLst>
               <a:ext uri="{FF2B5EF4-FFF2-40B4-BE49-F238E27FC236}">
-                <a16:creationId xmlns:a16="http://schemas.microsoft.com/office/drawing/2014/main" id="{734E1C43-D6E1-6D2E-31F0-B3BB5F87312D}"/>
+                <a16:creationId xmlns:a16="http://schemas.microsoft.com/office/drawing/2014/main" id="{0BDCDB5E-0708-7A76-499F-EDC5549FF4BC}"/>
               </a:ext>
             </a:extLst>
           </p:cNvPr>
@@ -2062,7 +2062,7 @@
           <a:bodyPr/>
           <a:lstStyle/>
           <a:p>
-            <a:fld id="{B07BE4A6-E2B1-4B86-88EA-8D1FB673A50F}" type="datetimeFigureOut">
+            <a:fld id="{BC920A0E-5F63-4409-AD4A-EB623706325B}" type="datetimeFigureOut">
               <a:rPr lang="zh-CN" altLang="en-US" smtClean="0"/>
               <a:t>2024/3/10</a:t>
             </a:fld>
@@ -2075,7 +2075,7 @@
           <p:cNvPr id="3" name="页脚占位符 2">
             <a:extLst>
               <a:ext uri="{FF2B5EF4-FFF2-40B4-BE49-F238E27FC236}">
-                <a16:creationId xmlns:a16="http://schemas.microsoft.com/office/drawing/2014/main" id="{E25D58F4-DC32-7115-E3F6-A36EB495F811}"/>
+                <a16:creationId xmlns:a16="http://schemas.microsoft.com/office/drawing/2014/main" id="{BF8CE44E-4E2F-47A2-0811-1C4C22B65FDF}"/>
               </a:ext>
             </a:extLst>
           </p:cNvPr>
@@ -2100,7 +2100,7 @@
           <p:cNvPr id="4" name="灯片编号占位符 3">
             <a:extLst>
               <a:ext uri="{FF2B5EF4-FFF2-40B4-BE49-F238E27FC236}">
-                <a16:creationId xmlns:a16="http://schemas.microsoft.com/office/drawing/2014/main" id="{0FCCD699-2B2B-3A76-F5C6-BF9B59361B70}"/>
+                <a16:creationId xmlns:a16="http://schemas.microsoft.com/office/drawing/2014/main" id="{B4270D60-B338-2E7F-4869-CB327C00024E}"/>
               </a:ext>
             </a:extLst>
           </p:cNvPr>
@@ -2116,7 +2116,7 @@
           <a:bodyPr/>
           <a:lstStyle/>
           <a:p>
-            <a:fld id="{2B16EE7B-2BC8-4C8E-8A6C-83115DE91C0B}" type="slidenum">
+            <a:fld id="{A11595C9-9DAF-4F70-A955-D5F8DAE38B1A}" type="slidenum">
               <a:rPr lang="zh-CN" altLang="en-US" smtClean="0"/>
               <a:t>‹#›</a:t>
             </a:fld>
@@ -2127,7 +2127,7 @@
     </p:spTree>
     <p:extLst>
       <p:ext uri="{BB962C8B-B14F-4D97-AF65-F5344CB8AC3E}">
-        <p14:creationId xmlns:p14="http://schemas.microsoft.com/office/powerpoint/2010/main" val="3818061372"/>
+        <p14:creationId xmlns:p14="http://schemas.microsoft.com/office/powerpoint/2010/main" val="2908521602"/>
       </p:ext>
     </p:extLst>
   </p:cSld>
@@ -2159,7 +2159,7 @@
           <p:cNvPr id="2" name="标题 1">
             <a:extLst>
               <a:ext uri="{FF2B5EF4-FFF2-40B4-BE49-F238E27FC236}">
-                <a16:creationId xmlns:a16="http://schemas.microsoft.com/office/drawing/2014/main" id="{E16C1812-28B7-C2F5-F893-E8D1500BD280}"/>
+                <a16:creationId xmlns:a16="http://schemas.microsoft.com/office/drawing/2014/main" id="{98062F41-D845-40D4-8760-960781950AAF}"/>
               </a:ext>
             </a:extLst>
           </p:cNvPr>
@@ -2196,7 +2196,7 @@
           <p:cNvPr id="3" name="内容占位符 2">
             <a:extLst>
               <a:ext uri="{FF2B5EF4-FFF2-40B4-BE49-F238E27FC236}">
-                <a16:creationId xmlns:a16="http://schemas.microsoft.com/office/drawing/2014/main" id="{E6337212-D47C-9B71-EE81-1A39EAAC731F}"/>
+                <a16:creationId xmlns:a16="http://schemas.microsoft.com/office/drawing/2014/main" id="{27FBC53F-2E4E-A305-09AD-56FF08686F36}"/>
               </a:ext>
             </a:extLst>
           </p:cNvPr>
@@ -2286,7 +2286,7 @@
           <p:cNvPr id="4" name="文本占位符 3">
             <a:extLst>
               <a:ext uri="{FF2B5EF4-FFF2-40B4-BE49-F238E27FC236}">
-                <a16:creationId xmlns:a16="http://schemas.microsoft.com/office/drawing/2014/main" id="{CA60A36A-B8B0-5EC7-C708-678EDEAB2176}"/>
+                <a16:creationId xmlns:a16="http://schemas.microsoft.com/office/drawing/2014/main" id="{819531CC-87AD-FE96-72A4-0304EE1D44D8}"/>
               </a:ext>
             </a:extLst>
           </p:cNvPr>
@@ -2357,7 +2357,7 @@
           <p:cNvPr id="5" name="日期占位符 4">
             <a:extLst>
               <a:ext uri="{FF2B5EF4-FFF2-40B4-BE49-F238E27FC236}">
-                <a16:creationId xmlns:a16="http://schemas.microsoft.com/office/drawing/2014/main" id="{FD7AF8CC-296F-0A2D-3C7C-31C9744D175F}"/>
+                <a16:creationId xmlns:a16="http://schemas.microsoft.com/office/drawing/2014/main" id="{D1462F66-E134-47B0-D9F8-6977A1B8005F}"/>
               </a:ext>
             </a:extLst>
           </p:cNvPr>
@@ -2373,7 +2373,7 @@
           <a:bodyPr/>
           <a:lstStyle/>
           <a:p>
-            <a:fld id="{B07BE4A6-E2B1-4B86-88EA-8D1FB673A50F}" type="datetimeFigureOut">
+            <a:fld id="{BC920A0E-5F63-4409-AD4A-EB623706325B}" type="datetimeFigureOut">
               <a:rPr lang="zh-CN" altLang="en-US" smtClean="0"/>
               <a:t>2024/3/10</a:t>
             </a:fld>
@@ -2386,7 +2386,7 @@
           <p:cNvPr id="6" name="页脚占位符 5">
             <a:extLst>
               <a:ext uri="{FF2B5EF4-FFF2-40B4-BE49-F238E27FC236}">
-                <a16:creationId xmlns:a16="http://schemas.microsoft.com/office/drawing/2014/main" id="{F7B47210-DF31-A6F7-3767-96E120D645F9}"/>
+                <a16:creationId xmlns:a16="http://schemas.microsoft.com/office/drawing/2014/main" id="{36AB0724-7892-0D2A-4C55-5D92BAED1974}"/>
               </a:ext>
             </a:extLst>
           </p:cNvPr>
@@ -2411,7 +2411,7 @@
           <p:cNvPr id="7" name="灯片编号占位符 6">
             <a:extLst>
               <a:ext uri="{FF2B5EF4-FFF2-40B4-BE49-F238E27FC236}">
-                <a16:creationId xmlns:a16="http://schemas.microsoft.com/office/drawing/2014/main" id="{96310D51-26DB-B285-61CD-C5933160DEDC}"/>
+                <a16:creationId xmlns:a16="http://schemas.microsoft.com/office/drawing/2014/main" id="{C0C493A7-6727-7293-7286-D72C58390F2C}"/>
               </a:ext>
             </a:extLst>
           </p:cNvPr>
@@ -2427,7 +2427,7 @@
           <a:bodyPr/>
           <a:lstStyle/>
           <a:p>
-            <a:fld id="{2B16EE7B-2BC8-4C8E-8A6C-83115DE91C0B}" type="slidenum">
+            <a:fld id="{A11595C9-9DAF-4F70-A955-D5F8DAE38B1A}" type="slidenum">
               <a:rPr lang="zh-CN" altLang="en-US" smtClean="0"/>
               <a:t>‹#›</a:t>
             </a:fld>
@@ -2438,7 +2438,7 @@
     </p:spTree>
     <p:extLst>
       <p:ext uri="{BB962C8B-B14F-4D97-AF65-F5344CB8AC3E}">
-        <p14:creationId xmlns:p14="http://schemas.microsoft.com/office/powerpoint/2010/main" val="4089744996"/>
+        <p14:creationId xmlns:p14="http://schemas.microsoft.com/office/powerpoint/2010/main" val="1370749788"/>
       </p:ext>
     </p:extLst>
   </p:cSld>
@@ -2470,7 +2470,7 @@
           <p:cNvPr id="2" name="标题 1">
             <a:extLst>
               <a:ext uri="{FF2B5EF4-FFF2-40B4-BE49-F238E27FC236}">
-                <a16:creationId xmlns:a16="http://schemas.microsoft.com/office/drawing/2014/main" id="{89900361-603C-023B-8437-71862FB0EA8B}"/>
+                <a16:creationId xmlns:a16="http://schemas.microsoft.com/office/drawing/2014/main" id="{A7FD5E38-5682-E15D-5509-8ED72E7BF2D8}"/>
               </a:ext>
             </a:extLst>
           </p:cNvPr>
@@ -2507,7 +2507,7 @@
           <p:cNvPr id="3" name="图片占位符 2">
             <a:extLst>
               <a:ext uri="{FF2B5EF4-FFF2-40B4-BE49-F238E27FC236}">
-                <a16:creationId xmlns:a16="http://schemas.microsoft.com/office/drawing/2014/main" id="{BC3B5947-FEDA-E5AF-0FC3-41BA87A5FBD8}"/>
+                <a16:creationId xmlns:a16="http://schemas.microsoft.com/office/drawing/2014/main" id="{00DE979B-7574-2AC0-6548-BA4705F87EF6}"/>
               </a:ext>
             </a:extLst>
           </p:cNvPr>
@@ -2574,7 +2574,7 @@
           <p:cNvPr id="4" name="文本占位符 3">
             <a:extLst>
               <a:ext uri="{FF2B5EF4-FFF2-40B4-BE49-F238E27FC236}">
-                <a16:creationId xmlns:a16="http://schemas.microsoft.com/office/drawing/2014/main" id="{B10740A8-3701-3788-6C1C-53AD61405A94}"/>
+                <a16:creationId xmlns:a16="http://schemas.microsoft.com/office/drawing/2014/main" id="{C4B76C5D-E152-FF64-F58C-2580DCD390FD}"/>
               </a:ext>
             </a:extLst>
           </p:cNvPr>
@@ -2645,7 +2645,7 @@
           <p:cNvPr id="5" name="日期占位符 4">
             <a:extLst>
               <a:ext uri="{FF2B5EF4-FFF2-40B4-BE49-F238E27FC236}">
-                <a16:creationId xmlns:a16="http://schemas.microsoft.com/office/drawing/2014/main" id="{E6201A3B-4D11-4E59-DBD5-A68FDD4F04DB}"/>
+                <a16:creationId xmlns:a16="http://schemas.microsoft.com/office/drawing/2014/main" id="{4DCF673C-26A7-1DFB-F7D3-9E341F0295B0}"/>
               </a:ext>
             </a:extLst>
           </p:cNvPr>
@@ -2661,7 +2661,7 @@
           <a:bodyPr/>
           <a:lstStyle/>
           <a:p>
-            <a:fld id="{B07BE4A6-E2B1-4B86-88EA-8D1FB673A50F}" type="datetimeFigureOut">
+            <a:fld id="{BC920A0E-5F63-4409-AD4A-EB623706325B}" type="datetimeFigureOut">
               <a:rPr lang="zh-CN" altLang="en-US" smtClean="0"/>
               <a:t>2024/3/10</a:t>
             </a:fld>
@@ -2674,7 +2674,7 @@
           <p:cNvPr id="6" name="页脚占位符 5">
             <a:extLst>
               <a:ext uri="{FF2B5EF4-FFF2-40B4-BE49-F238E27FC236}">
-                <a16:creationId xmlns:a16="http://schemas.microsoft.com/office/drawing/2014/main" id="{839FB625-C97C-9D23-872A-D6C083A51506}"/>
+                <a16:creationId xmlns:a16="http://schemas.microsoft.com/office/drawing/2014/main" id="{9A77F671-345B-0959-0680-1BF887057D27}"/>
               </a:ext>
             </a:extLst>
           </p:cNvPr>
@@ -2699,7 +2699,7 @@
           <p:cNvPr id="7" name="灯片编号占位符 6">
             <a:extLst>
               <a:ext uri="{FF2B5EF4-FFF2-40B4-BE49-F238E27FC236}">
-                <a16:creationId xmlns:a16="http://schemas.microsoft.com/office/drawing/2014/main" id="{AFD043BF-CE47-AAF5-4F8D-E5439E0B89A1}"/>
+                <a16:creationId xmlns:a16="http://schemas.microsoft.com/office/drawing/2014/main" id="{61770F02-D8C5-7918-1DBA-552C139CCF56}"/>
               </a:ext>
             </a:extLst>
           </p:cNvPr>
@@ -2715,7 +2715,7 @@
           <a:bodyPr/>
           <a:lstStyle/>
           <a:p>
-            <a:fld id="{2B16EE7B-2BC8-4C8E-8A6C-83115DE91C0B}" type="slidenum">
+            <a:fld id="{A11595C9-9DAF-4F70-A955-D5F8DAE38B1A}" type="slidenum">
               <a:rPr lang="zh-CN" altLang="en-US" smtClean="0"/>
               <a:t>‹#›</a:t>
             </a:fld>
@@ -2726,7 +2726,7 @@
     </p:spTree>
     <p:extLst>
       <p:ext uri="{BB962C8B-B14F-4D97-AF65-F5344CB8AC3E}">
-        <p14:creationId xmlns:p14="http://schemas.microsoft.com/office/powerpoint/2010/main" val="3858141222"/>
+        <p14:creationId xmlns:p14="http://schemas.microsoft.com/office/powerpoint/2010/main" val="2595956107"/>
       </p:ext>
     </p:extLst>
   </p:cSld>
@@ -2763,7 +2763,7 @@
           <p:cNvPr id="2" name="标题占位符 1">
             <a:extLst>
               <a:ext uri="{FF2B5EF4-FFF2-40B4-BE49-F238E27FC236}">
-                <a16:creationId xmlns:a16="http://schemas.microsoft.com/office/drawing/2014/main" id="{B169FD2F-6253-6C68-FE84-659EB5CE298A}"/>
+                <a16:creationId xmlns:a16="http://schemas.microsoft.com/office/drawing/2014/main" id="{68BC2FE3-FE5C-5722-0B95-D32D79FB6885}"/>
               </a:ext>
             </a:extLst>
           </p:cNvPr>
@@ -2801,7 +2801,7 @@
           <p:cNvPr id="3" name="文本占位符 2">
             <a:extLst>
               <a:ext uri="{FF2B5EF4-FFF2-40B4-BE49-F238E27FC236}">
-                <a16:creationId xmlns:a16="http://schemas.microsoft.com/office/drawing/2014/main" id="{1E66A9DC-7B79-3154-4EC9-4A8BD34034AB}"/>
+                <a16:creationId xmlns:a16="http://schemas.microsoft.com/office/drawing/2014/main" id="{6CC794C0-59E6-986C-56A7-AF0B566B340F}"/>
               </a:ext>
             </a:extLst>
           </p:cNvPr>
@@ -2868,7 +2868,7 @@
           <p:cNvPr id="4" name="日期占位符 3">
             <a:extLst>
               <a:ext uri="{FF2B5EF4-FFF2-40B4-BE49-F238E27FC236}">
-                <a16:creationId xmlns:a16="http://schemas.microsoft.com/office/drawing/2014/main" id="{0782E2C5-179E-1F1A-ACAB-A5D007AA3705}"/>
+                <a16:creationId xmlns:a16="http://schemas.microsoft.com/office/drawing/2014/main" id="{F8B922ED-FBC6-451E-42E5-9316EF085291}"/>
               </a:ext>
             </a:extLst>
           </p:cNvPr>
@@ -2902,7 +2902,7 @@
             </a:lvl1pPr>
           </a:lstStyle>
           <a:p>
-            <a:fld id="{B07BE4A6-E2B1-4B86-88EA-8D1FB673A50F}" type="datetimeFigureOut">
+            <a:fld id="{BC920A0E-5F63-4409-AD4A-EB623706325B}" type="datetimeFigureOut">
               <a:rPr lang="zh-CN" altLang="en-US" smtClean="0"/>
               <a:t>2024/3/10</a:t>
             </a:fld>
@@ -2915,7 +2915,7 @@
           <p:cNvPr id="5" name="页脚占位符 4">
             <a:extLst>
               <a:ext uri="{FF2B5EF4-FFF2-40B4-BE49-F238E27FC236}">
-                <a16:creationId xmlns:a16="http://schemas.microsoft.com/office/drawing/2014/main" id="{416E9A32-82E9-DD53-941E-AE2692671887}"/>
+                <a16:creationId xmlns:a16="http://schemas.microsoft.com/office/drawing/2014/main" id="{E18FEBB4-695C-67FA-EFA5-2CD847B823DD}"/>
               </a:ext>
             </a:extLst>
           </p:cNvPr>
@@ -2958,7 +2958,7 @@
           <p:cNvPr id="6" name="灯片编号占位符 5">
             <a:extLst>
               <a:ext uri="{FF2B5EF4-FFF2-40B4-BE49-F238E27FC236}">
-                <a16:creationId xmlns:a16="http://schemas.microsoft.com/office/drawing/2014/main" id="{26A78C0A-F7DE-647D-5EA1-2DE219572290}"/>
+                <a16:creationId xmlns:a16="http://schemas.microsoft.com/office/drawing/2014/main" id="{B5D4AF2C-CC51-DC18-4A85-C449A8592D42}"/>
               </a:ext>
             </a:extLst>
           </p:cNvPr>
@@ -2992,7 +2992,7 @@
             </a:lvl1pPr>
           </a:lstStyle>
           <a:p>
-            <a:fld id="{2B16EE7B-2BC8-4C8E-8A6C-83115DE91C0B}" type="slidenum">
+            <a:fld id="{A11595C9-9DAF-4F70-A955-D5F8DAE38B1A}" type="slidenum">
               <a:rPr lang="zh-CN" altLang="en-US" smtClean="0"/>
               <a:t>‹#›</a:t>
             </a:fld>
@@ -3003,7 +3003,7 @@
     </p:spTree>
     <p:extLst>
       <p:ext uri="{BB962C8B-B14F-4D97-AF65-F5344CB8AC3E}">
-        <p14:creationId xmlns:p14="http://schemas.microsoft.com/office/powerpoint/2010/main" val="1593155315"/>
+        <p14:creationId xmlns:p14="http://schemas.microsoft.com/office/powerpoint/2010/main" val="819059499"/>
       </p:ext>
     </p:extLst>
   </p:cSld>
